--- a/어플리케이션 화면구상/화면 구상 - 임채정.pptx
+++ b/어플리케이션 화면구상/화면 구상 - 임채정.pptx
@@ -3212,60 +3212,12 @@
           <a:p>
             <a:pPr algn="ctr"/>
             <a:r>
-              <a:rPr lang="en-US" altLang="ko-KR" b="1" dirty="0" smtClean="0">
+              <a:rPr lang="ko-KR" altLang="en-US" b="1" dirty="0" smtClean="0">
                 <a:solidFill>
                   <a:schemeClr val="tx1"/>
                 </a:solidFill>
               </a:rPr>
-              <a:t>(</a:t>
-            </a:r>
-            <a:r>
-              <a:rPr lang="ko-KR" altLang="en-US" b="1" dirty="0" smtClean="0">
-                <a:solidFill>
-                  <a:schemeClr val="tx1"/>
-                </a:solidFill>
-              </a:rPr>
-              <a:t>닉네임</a:t>
-            </a:r>
-            <a:r>
-              <a:rPr lang="en-US" altLang="ko-KR" b="1" dirty="0" smtClean="0">
-                <a:solidFill>
-                  <a:schemeClr val="tx1"/>
-                </a:solidFill>
-              </a:rPr>
-              <a:t>) </a:t>
-            </a:r>
-            <a:r>
-              <a:rPr lang="ko-KR" altLang="en-US" b="1" dirty="0" smtClean="0">
-                <a:solidFill>
-                  <a:schemeClr val="tx1"/>
-                </a:solidFill>
-              </a:rPr>
-              <a:t>의 </a:t>
-            </a:r>
-            <a:r>
-              <a:rPr lang="en-US" altLang="ko-KR" b="1" dirty="0" smtClean="0">
-                <a:solidFill>
-                  <a:schemeClr val="tx1"/>
-                </a:solidFill>
-              </a:rPr>
-              <a:t>(</a:t>
-            </a:r>
-            <a:r>
-              <a:rPr lang="ko-KR" altLang="en-US" b="1" dirty="0" smtClean="0">
-                <a:solidFill>
-                  <a:schemeClr val="tx1"/>
-                </a:solidFill>
-              </a:rPr>
-              <a:t>수정가능</a:t>
-            </a:r>
-            <a:r>
-              <a:rPr lang="en-US" altLang="ko-KR" b="1" dirty="0" smtClean="0">
-                <a:solidFill>
-                  <a:schemeClr val="tx1"/>
-                </a:solidFill>
-              </a:rPr>
-              <a:t>)</a:t>
+              <a:t>목록</a:t>
             </a:r>
             <a:endParaRPr lang="ko-KR" altLang="en-US" b="1" dirty="0">
               <a:solidFill>
